--- a/ppt 16-9/1492.祈求就得着.pptx
+++ b/ppt 16-9/1492.祈求就得着.pptx
@@ -129,7 +129,7 @@
           <p:cNvPr id="2" name="标题 1">
             <a:extLst>
               <a:ext uri="{FF2B5EF4-FFF2-40B4-BE49-F238E27FC236}">
-                <a16:creationId xmlns:a16="http://schemas.microsoft.com/office/drawing/2014/main" id="{6928677F-3177-48B4-4A35-597ED408D2BA}"/>
+                <a16:creationId xmlns:a16="http://schemas.microsoft.com/office/drawing/2014/main" id="{BBDB987F-772D-E914-DAEB-6D0FADD4C1D5}"/>
               </a:ext>
             </a:extLst>
           </p:cNvPr>
@@ -166,7 +166,7 @@
           <p:cNvPr id="3" name="副标题 2">
             <a:extLst>
               <a:ext uri="{FF2B5EF4-FFF2-40B4-BE49-F238E27FC236}">
-                <a16:creationId xmlns:a16="http://schemas.microsoft.com/office/drawing/2014/main" id="{26183237-A4AF-B0DC-0077-AF78DB92F9A9}"/>
+                <a16:creationId xmlns:a16="http://schemas.microsoft.com/office/drawing/2014/main" id="{496BB657-E886-39B2-9232-C35A58C7D0CA}"/>
               </a:ext>
             </a:extLst>
           </p:cNvPr>
@@ -236,7 +236,7 @@
           <p:cNvPr id="4" name="日期占位符 3">
             <a:extLst>
               <a:ext uri="{FF2B5EF4-FFF2-40B4-BE49-F238E27FC236}">
-                <a16:creationId xmlns:a16="http://schemas.microsoft.com/office/drawing/2014/main" id="{AFABC473-FD3A-E9A0-A533-8FC505DA9EF7}"/>
+                <a16:creationId xmlns:a16="http://schemas.microsoft.com/office/drawing/2014/main" id="{5B4D053B-2DF0-EA1B-1285-43535D255671}"/>
               </a:ext>
             </a:extLst>
           </p:cNvPr>
@@ -252,7 +252,7 @@
           <a:bodyPr/>
           <a:lstStyle/>
           <a:p>
-            <a:fld id="{C775A924-BFF9-4B95-87D5-3BEDE7F15C4D}" type="datetimeFigureOut">
+            <a:fld id="{CA7BEFC3-56AD-447C-AE18-D805C64AB5A2}" type="datetimeFigureOut">
               <a:rPr lang="zh-CN" altLang="en-US" smtClean="0"/>
               <a:t>2024/3/10</a:t>
             </a:fld>
@@ -265,7 +265,7 @@
           <p:cNvPr id="5" name="页脚占位符 4">
             <a:extLst>
               <a:ext uri="{FF2B5EF4-FFF2-40B4-BE49-F238E27FC236}">
-                <a16:creationId xmlns:a16="http://schemas.microsoft.com/office/drawing/2014/main" id="{2E1EB989-A8B7-D0FE-28DA-7BFEDEC8B56B}"/>
+                <a16:creationId xmlns:a16="http://schemas.microsoft.com/office/drawing/2014/main" id="{B00743B1-070B-9B5F-9FC2-CE173C18E318}"/>
               </a:ext>
             </a:extLst>
           </p:cNvPr>
@@ -290,7 +290,7 @@
           <p:cNvPr id="6" name="灯片编号占位符 5">
             <a:extLst>
               <a:ext uri="{FF2B5EF4-FFF2-40B4-BE49-F238E27FC236}">
-                <a16:creationId xmlns:a16="http://schemas.microsoft.com/office/drawing/2014/main" id="{845BD93D-EE18-9212-2E99-E34092FB4618}"/>
+                <a16:creationId xmlns:a16="http://schemas.microsoft.com/office/drawing/2014/main" id="{897311EC-E76B-3D85-F39A-378CCECA698C}"/>
               </a:ext>
             </a:extLst>
           </p:cNvPr>
@@ -306,7 +306,7 @@
           <a:bodyPr/>
           <a:lstStyle/>
           <a:p>
-            <a:fld id="{7641124F-471E-4D88-BDAC-A9AC16A02181}" type="slidenum">
+            <a:fld id="{670CE2B6-D29C-4089-AFDF-F6E4B9CE3433}" type="slidenum">
               <a:rPr lang="zh-CN" altLang="en-US" smtClean="0"/>
               <a:t>‹#›</a:t>
             </a:fld>
@@ -317,7 +317,7 @@
     </p:spTree>
     <p:extLst>
       <p:ext uri="{BB962C8B-B14F-4D97-AF65-F5344CB8AC3E}">
-        <p14:creationId xmlns:p14="http://schemas.microsoft.com/office/powerpoint/2010/main" val="1727201380"/>
+        <p14:creationId xmlns:p14="http://schemas.microsoft.com/office/powerpoint/2010/main" val="3617351708"/>
       </p:ext>
     </p:extLst>
   </p:cSld>
@@ -349,7 +349,7 @@
           <p:cNvPr id="2" name="标题 1">
             <a:extLst>
               <a:ext uri="{FF2B5EF4-FFF2-40B4-BE49-F238E27FC236}">
-                <a16:creationId xmlns:a16="http://schemas.microsoft.com/office/drawing/2014/main" id="{10ECD2D3-1B3E-1DBF-0B18-2F4919DCEBAC}"/>
+                <a16:creationId xmlns:a16="http://schemas.microsoft.com/office/drawing/2014/main" id="{41C02A1A-6D68-BB85-534D-9A1537F01CB7}"/>
               </a:ext>
             </a:extLst>
           </p:cNvPr>
@@ -377,7 +377,7 @@
           <p:cNvPr id="3" name="竖排文字占位符 2">
             <a:extLst>
               <a:ext uri="{FF2B5EF4-FFF2-40B4-BE49-F238E27FC236}">
-                <a16:creationId xmlns:a16="http://schemas.microsoft.com/office/drawing/2014/main" id="{A1CFD095-B6DD-8998-3530-BFCB92949DE0}"/>
+                <a16:creationId xmlns:a16="http://schemas.microsoft.com/office/drawing/2014/main" id="{AE25BEAA-03A0-23C4-8AB6-A263E34F7998}"/>
               </a:ext>
             </a:extLst>
           </p:cNvPr>
@@ -434,7 +434,7 @@
           <p:cNvPr id="4" name="日期占位符 3">
             <a:extLst>
               <a:ext uri="{FF2B5EF4-FFF2-40B4-BE49-F238E27FC236}">
-                <a16:creationId xmlns:a16="http://schemas.microsoft.com/office/drawing/2014/main" id="{2D8574CC-116B-4DF8-7E58-B387DF085BA0}"/>
+                <a16:creationId xmlns:a16="http://schemas.microsoft.com/office/drawing/2014/main" id="{783EEEBF-D079-D3B6-F44D-19B3927CABA8}"/>
               </a:ext>
             </a:extLst>
           </p:cNvPr>
@@ -450,7 +450,7 @@
           <a:bodyPr/>
           <a:lstStyle/>
           <a:p>
-            <a:fld id="{C775A924-BFF9-4B95-87D5-3BEDE7F15C4D}" type="datetimeFigureOut">
+            <a:fld id="{CA7BEFC3-56AD-447C-AE18-D805C64AB5A2}" type="datetimeFigureOut">
               <a:rPr lang="zh-CN" altLang="en-US" smtClean="0"/>
               <a:t>2024/3/10</a:t>
             </a:fld>
@@ -463,7 +463,7 @@
           <p:cNvPr id="5" name="页脚占位符 4">
             <a:extLst>
               <a:ext uri="{FF2B5EF4-FFF2-40B4-BE49-F238E27FC236}">
-                <a16:creationId xmlns:a16="http://schemas.microsoft.com/office/drawing/2014/main" id="{18353634-E9BA-FD59-1BC0-B1DCF936DB2A}"/>
+                <a16:creationId xmlns:a16="http://schemas.microsoft.com/office/drawing/2014/main" id="{B1EB1C05-0F31-7CEE-E40D-6BF9BD6BDB64}"/>
               </a:ext>
             </a:extLst>
           </p:cNvPr>
@@ -488,7 +488,7 @@
           <p:cNvPr id="6" name="灯片编号占位符 5">
             <a:extLst>
               <a:ext uri="{FF2B5EF4-FFF2-40B4-BE49-F238E27FC236}">
-                <a16:creationId xmlns:a16="http://schemas.microsoft.com/office/drawing/2014/main" id="{57BEFAE8-4814-3591-EBE9-BC2EAE59EFA3}"/>
+                <a16:creationId xmlns:a16="http://schemas.microsoft.com/office/drawing/2014/main" id="{241167D1-4821-8F35-E429-705A3F152727}"/>
               </a:ext>
             </a:extLst>
           </p:cNvPr>
@@ -504,7 +504,7 @@
           <a:bodyPr/>
           <a:lstStyle/>
           <a:p>
-            <a:fld id="{7641124F-471E-4D88-BDAC-A9AC16A02181}" type="slidenum">
+            <a:fld id="{670CE2B6-D29C-4089-AFDF-F6E4B9CE3433}" type="slidenum">
               <a:rPr lang="zh-CN" altLang="en-US" smtClean="0"/>
               <a:t>‹#›</a:t>
             </a:fld>
@@ -515,7 +515,7 @@
     </p:spTree>
     <p:extLst>
       <p:ext uri="{BB962C8B-B14F-4D97-AF65-F5344CB8AC3E}">
-        <p14:creationId xmlns:p14="http://schemas.microsoft.com/office/powerpoint/2010/main" val="535050731"/>
+        <p14:creationId xmlns:p14="http://schemas.microsoft.com/office/powerpoint/2010/main" val="1816107375"/>
       </p:ext>
     </p:extLst>
   </p:cSld>
@@ -547,7 +547,7 @@
           <p:cNvPr id="2" name="竖排标题 1">
             <a:extLst>
               <a:ext uri="{FF2B5EF4-FFF2-40B4-BE49-F238E27FC236}">
-                <a16:creationId xmlns:a16="http://schemas.microsoft.com/office/drawing/2014/main" id="{A8837B31-E83C-8CB1-BED7-3B76758606B7}"/>
+                <a16:creationId xmlns:a16="http://schemas.microsoft.com/office/drawing/2014/main" id="{EC2E872F-4A4D-64B4-CB21-B5170D7D7C45}"/>
               </a:ext>
             </a:extLst>
           </p:cNvPr>
@@ -580,7 +580,7 @@
           <p:cNvPr id="3" name="竖排文字占位符 2">
             <a:extLst>
               <a:ext uri="{FF2B5EF4-FFF2-40B4-BE49-F238E27FC236}">
-                <a16:creationId xmlns:a16="http://schemas.microsoft.com/office/drawing/2014/main" id="{3C3F4BDD-CE98-F5E5-5964-E169A41A3B60}"/>
+                <a16:creationId xmlns:a16="http://schemas.microsoft.com/office/drawing/2014/main" id="{B3DE6FCC-712A-9BB3-D3E8-32ABAF555456}"/>
               </a:ext>
             </a:extLst>
           </p:cNvPr>
@@ -642,7 +642,7 @@
           <p:cNvPr id="4" name="日期占位符 3">
             <a:extLst>
               <a:ext uri="{FF2B5EF4-FFF2-40B4-BE49-F238E27FC236}">
-                <a16:creationId xmlns:a16="http://schemas.microsoft.com/office/drawing/2014/main" id="{75078AA5-F9D8-8B1C-7BA8-63DCEB35147F}"/>
+                <a16:creationId xmlns:a16="http://schemas.microsoft.com/office/drawing/2014/main" id="{7AD9D067-39FE-01ED-5798-A21B8DB1FB1A}"/>
               </a:ext>
             </a:extLst>
           </p:cNvPr>
@@ -658,7 +658,7 @@
           <a:bodyPr/>
           <a:lstStyle/>
           <a:p>
-            <a:fld id="{C775A924-BFF9-4B95-87D5-3BEDE7F15C4D}" type="datetimeFigureOut">
+            <a:fld id="{CA7BEFC3-56AD-447C-AE18-D805C64AB5A2}" type="datetimeFigureOut">
               <a:rPr lang="zh-CN" altLang="en-US" smtClean="0"/>
               <a:t>2024/3/10</a:t>
             </a:fld>
@@ -671,7 +671,7 @@
           <p:cNvPr id="5" name="页脚占位符 4">
             <a:extLst>
               <a:ext uri="{FF2B5EF4-FFF2-40B4-BE49-F238E27FC236}">
-                <a16:creationId xmlns:a16="http://schemas.microsoft.com/office/drawing/2014/main" id="{E34563DD-06D9-F28A-2556-87D2F6010D1B}"/>
+                <a16:creationId xmlns:a16="http://schemas.microsoft.com/office/drawing/2014/main" id="{76D59072-0931-BD9A-5EF4-F337D273F3D1}"/>
               </a:ext>
             </a:extLst>
           </p:cNvPr>
@@ -696,7 +696,7 @@
           <p:cNvPr id="6" name="灯片编号占位符 5">
             <a:extLst>
               <a:ext uri="{FF2B5EF4-FFF2-40B4-BE49-F238E27FC236}">
-                <a16:creationId xmlns:a16="http://schemas.microsoft.com/office/drawing/2014/main" id="{08600098-2AC5-DEA9-5739-82504AE62798}"/>
+                <a16:creationId xmlns:a16="http://schemas.microsoft.com/office/drawing/2014/main" id="{2DBAABE7-29AE-33C7-647E-21BFB0FC94C9}"/>
               </a:ext>
             </a:extLst>
           </p:cNvPr>
@@ -712,7 +712,7 @@
           <a:bodyPr/>
           <a:lstStyle/>
           <a:p>
-            <a:fld id="{7641124F-471E-4D88-BDAC-A9AC16A02181}" type="slidenum">
+            <a:fld id="{670CE2B6-D29C-4089-AFDF-F6E4B9CE3433}" type="slidenum">
               <a:rPr lang="zh-CN" altLang="en-US" smtClean="0"/>
               <a:t>‹#›</a:t>
             </a:fld>
@@ -723,7 +723,7 @@
     </p:spTree>
     <p:extLst>
       <p:ext uri="{BB962C8B-B14F-4D97-AF65-F5344CB8AC3E}">
-        <p14:creationId xmlns:p14="http://schemas.microsoft.com/office/powerpoint/2010/main" val="3111114626"/>
+        <p14:creationId xmlns:p14="http://schemas.microsoft.com/office/powerpoint/2010/main" val="3624965452"/>
       </p:ext>
     </p:extLst>
   </p:cSld>
@@ -755,7 +755,7 @@
           <p:cNvPr id="2" name="标题 1">
             <a:extLst>
               <a:ext uri="{FF2B5EF4-FFF2-40B4-BE49-F238E27FC236}">
-                <a16:creationId xmlns:a16="http://schemas.microsoft.com/office/drawing/2014/main" id="{800B4977-844A-42C4-D92C-C2EC5CF10B67}"/>
+                <a16:creationId xmlns:a16="http://schemas.microsoft.com/office/drawing/2014/main" id="{5B2954BA-7202-8C0C-79F4-2DC956FAB997}"/>
               </a:ext>
             </a:extLst>
           </p:cNvPr>
@@ -783,7 +783,7 @@
           <p:cNvPr id="3" name="内容占位符 2">
             <a:extLst>
               <a:ext uri="{FF2B5EF4-FFF2-40B4-BE49-F238E27FC236}">
-                <a16:creationId xmlns:a16="http://schemas.microsoft.com/office/drawing/2014/main" id="{79141101-7041-C1EA-6943-33EBA8FAB18D}"/>
+                <a16:creationId xmlns:a16="http://schemas.microsoft.com/office/drawing/2014/main" id="{8F1ED884-7976-78D4-1FE3-AAB13EF1A6CD}"/>
               </a:ext>
             </a:extLst>
           </p:cNvPr>
@@ -840,7 +840,7 @@
           <p:cNvPr id="4" name="日期占位符 3">
             <a:extLst>
               <a:ext uri="{FF2B5EF4-FFF2-40B4-BE49-F238E27FC236}">
-                <a16:creationId xmlns:a16="http://schemas.microsoft.com/office/drawing/2014/main" id="{2C93F5CF-1D44-899F-EC28-FC6E2D94871B}"/>
+                <a16:creationId xmlns:a16="http://schemas.microsoft.com/office/drawing/2014/main" id="{EAF43B1A-1303-56D5-0C74-CA9F61D8267C}"/>
               </a:ext>
             </a:extLst>
           </p:cNvPr>
@@ -856,7 +856,7 @@
           <a:bodyPr/>
           <a:lstStyle/>
           <a:p>
-            <a:fld id="{C775A924-BFF9-4B95-87D5-3BEDE7F15C4D}" type="datetimeFigureOut">
+            <a:fld id="{CA7BEFC3-56AD-447C-AE18-D805C64AB5A2}" type="datetimeFigureOut">
               <a:rPr lang="zh-CN" altLang="en-US" smtClean="0"/>
               <a:t>2024/3/10</a:t>
             </a:fld>
@@ -869,7 +869,7 @@
           <p:cNvPr id="5" name="页脚占位符 4">
             <a:extLst>
               <a:ext uri="{FF2B5EF4-FFF2-40B4-BE49-F238E27FC236}">
-                <a16:creationId xmlns:a16="http://schemas.microsoft.com/office/drawing/2014/main" id="{2FAF3F68-4680-2D44-1464-52478A36CA57}"/>
+                <a16:creationId xmlns:a16="http://schemas.microsoft.com/office/drawing/2014/main" id="{0B2CDD8B-D5BC-9B85-18DD-656D789477E1}"/>
               </a:ext>
             </a:extLst>
           </p:cNvPr>
@@ -894,7 +894,7 @@
           <p:cNvPr id="6" name="灯片编号占位符 5">
             <a:extLst>
               <a:ext uri="{FF2B5EF4-FFF2-40B4-BE49-F238E27FC236}">
-                <a16:creationId xmlns:a16="http://schemas.microsoft.com/office/drawing/2014/main" id="{4C00EDBF-180E-7E4A-B2BE-97262618F0AE}"/>
+                <a16:creationId xmlns:a16="http://schemas.microsoft.com/office/drawing/2014/main" id="{4FE86C85-2BC9-02B4-B2EF-BB21975DC1F7}"/>
               </a:ext>
             </a:extLst>
           </p:cNvPr>
@@ -910,7 +910,7 @@
           <a:bodyPr/>
           <a:lstStyle/>
           <a:p>
-            <a:fld id="{7641124F-471E-4D88-BDAC-A9AC16A02181}" type="slidenum">
+            <a:fld id="{670CE2B6-D29C-4089-AFDF-F6E4B9CE3433}" type="slidenum">
               <a:rPr lang="zh-CN" altLang="en-US" smtClean="0"/>
               <a:t>‹#›</a:t>
             </a:fld>
@@ -921,7 +921,7 @@
     </p:spTree>
     <p:extLst>
       <p:ext uri="{BB962C8B-B14F-4D97-AF65-F5344CB8AC3E}">
-        <p14:creationId xmlns:p14="http://schemas.microsoft.com/office/powerpoint/2010/main" val="1747165969"/>
+        <p14:creationId xmlns:p14="http://schemas.microsoft.com/office/powerpoint/2010/main" val="2893582477"/>
       </p:ext>
     </p:extLst>
   </p:cSld>
@@ -953,7 +953,7 @@
           <p:cNvPr id="2" name="标题 1">
             <a:extLst>
               <a:ext uri="{FF2B5EF4-FFF2-40B4-BE49-F238E27FC236}">
-                <a16:creationId xmlns:a16="http://schemas.microsoft.com/office/drawing/2014/main" id="{9E979DC7-D2DD-C88B-ECAC-B4D4B3469798}"/>
+                <a16:creationId xmlns:a16="http://schemas.microsoft.com/office/drawing/2014/main" id="{8566EC92-7D62-A614-2F14-0412F55324C4}"/>
               </a:ext>
             </a:extLst>
           </p:cNvPr>
@@ -990,7 +990,7 @@
           <p:cNvPr id="3" name="文本占位符 2">
             <a:extLst>
               <a:ext uri="{FF2B5EF4-FFF2-40B4-BE49-F238E27FC236}">
-                <a16:creationId xmlns:a16="http://schemas.microsoft.com/office/drawing/2014/main" id="{3AD06DE2-975E-6116-0D1C-DB8D4A2C3D90}"/>
+                <a16:creationId xmlns:a16="http://schemas.microsoft.com/office/drawing/2014/main" id="{E43F7D5F-3759-2E0D-7805-EAE8A2D6BC91}"/>
               </a:ext>
             </a:extLst>
           </p:cNvPr>
@@ -1115,7 +1115,7 @@
           <p:cNvPr id="4" name="日期占位符 3">
             <a:extLst>
               <a:ext uri="{FF2B5EF4-FFF2-40B4-BE49-F238E27FC236}">
-                <a16:creationId xmlns:a16="http://schemas.microsoft.com/office/drawing/2014/main" id="{127B2CF2-EA50-F2D0-970D-07294F262DAC}"/>
+                <a16:creationId xmlns:a16="http://schemas.microsoft.com/office/drawing/2014/main" id="{FB73855E-6167-49B2-6474-164EEB22E63B}"/>
               </a:ext>
             </a:extLst>
           </p:cNvPr>
@@ -1131,7 +1131,7 @@
           <a:bodyPr/>
           <a:lstStyle/>
           <a:p>
-            <a:fld id="{C775A924-BFF9-4B95-87D5-3BEDE7F15C4D}" type="datetimeFigureOut">
+            <a:fld id="{CA7BEFC3-56AD-447C-AE18-D805C64AB5A2}" type="datetimeFigureOut">
               <a:rPr lang="zh-CN" altLang="en-US" smtClean="0"/>
               <a:t>2024/3/10</a:t>
             </a:fld>
@@ -1144,7 +1144,7 @@
           <p:cNvPr id="5" name="页脚占位符 4">
             <a:extLst>
               <a:ext uri="{FF2B5EF4-FFF2-40B4-BE49-F238E27FC236}">
-                <a16:creationId xmlns:a16="http://schemas.microsoft.com/office/drawing/2014/main" id="{FA4923FE-5E15-76E5-AC18-EC2548678EC0}"/>
+                <a16:creationId xmlns:a16="http://schemas.microsoft.com/office/drawing/2014/main" id="{FBBC95E6-A9F5-57D6-D083-56276BB089CF}"/>
               </a:ext>
             </a:extLst>
           </p:cNvPr>
@@ -1169,7 +1169,7 @@
           <p:cNvPr id="6" name="灯片编号占位符 5">
             <a:extLst>
               <a:ext uri="{FF2B5EF4-FFF2-40B4-BE49-F238E27FC236}">
-                <a16:creationId xmlns:a16="http://schemas.microsoft.com/office/drawing/2014/main" id="{F648A286-486A-5685-3931-64CC1F72A99D}"/>
+                <a16:creationId xmlns:a16="http://schemas.microsoft.com/office/drawing/2014/main" id="{65EEEBE8-7B21-A9CD-6DC4-AA81B6B9D655}"/>
               </a:ext>
             </a:extLst>
           </p:cNvPr>
@@ -1185,7 +1185,7 @@
           <a:bodyPr/>
           <a:lstStyle/>
           <a:p>
-            <a:fld id="{7641124F-471E-4D88-BDAC-A9AC16A02181}" type="slidenum">
+            <a:fld id="{670CE2B6-D29C-4089-AFDF-F6E4B9CE3433}" type="slidenum">
               <a:rPr lang="zh-CN" altLang="en-US" smtClean="0"/>
               <a:t>‹#›</a:t>
             </a:fld>
@@ -1196,7 +1196,7 @@
     </p:spTree>
     <p:extLst>
       <p:ext uri="{BB962C8B-B14F-4D97-AF65-F5344CB8AC3E}">
-        <p14:creationId xmlns:p14="http://schemas.microsoft.com/office/powerpoint/2010/main" val="1327804470"/>
+        <p14:creationId xmlns:p14="http://schemas.microsoft.com/office/powerpoint/2010/main" val="2645803159"/>
       </p:ext>
     </p:extLst>
   </p:cSld>
@@ -1228,7 +1228,7 @@
           <p:cNvPr id="2" name="标题 1">
             <a:extLst>
               <a:ext uri="{FF2B5EF4-FFF2-40B4-BE49-F238E27FC236}">
-                <a16:creationId xmlns:a16="http://schemas.microsoft.com/office/drawing/2014/main" id="{737763B9-356C-AED9-E98D-322B79B0554C}"/>
+                <a16:creationId xmlns:a16="http://schemas.microsoft.com/office/drawing/2014/main" id="{0D795F5E-0B97-F951-F75A-D650E28105B8}"/>
               </a:ext>
             </a:extLst>
           </p:cNvPr>
@@ -1256,7 +1256,7 @@
           <p:cNvPr id="3" name="内容占位符 2">
             <a:extLst>
               <a:ext uri="{FF2B5EF4-FFF2-40B4-BE49-F238E27FC236}">
-                <a16:creationId xmlns:a16="http://schemas.microsoft.com/office/drawing/2014/main" id="{6A7C75B4-6A7C-5961-FD63-919BFCD9DAF4}"/>
+                <a16:creationId xmlns:a16="http://schemas.microsoft.com/office/drawing/2014/main" id="{6EF58C70-4FA2-0229-980A-C16BE63F9ABE}"/>
               </a:ext>
             </a:extLst>
           </p:cNvPr>
@@ -1318,7 +1318,7 @@
           <p:cNvPr id="4" name="内容占位符 3">
             <a:extLst>
               <a:ext uri="{FF2B5EF4-FFF2-40B4-BE49-F238E27FC236}">
-                <a16:creationId xmlns:a16="http://schemas.microsoft.com/office/drawing/2014/main" id="{56624C1F-09B0-496C-1D9C-319C23B161D8}"/>
+                <a16:creationId xmlns:a16="http://schemas.microsoft.com/office/drawing/2014/main" id="{25E557BD-825A-C5C5-E2E8-348743FE414A}"/>
               </a:ext>
             </a:extLst>
           </p:cNvPr>
@@ -1380,7 +1380,7 @@
           <p:cNvPr id="5" name="日期占位符 4">
             <a:extLst>
               <a:ext uri="{FF2B5EF4-FFF2-40B4-BE49-F238E27FC236}">
-                <a16:creationId xmlns:a16="http://schemas.microsoft.com/office/drawing/2014/main" id="{0EF9C87F-3E38-E1BD-B9CD-7A3B4962964B}"/>
+                <a16:creationId xmlns:a16="http://schemas.microsoft.com/office/drawing/2014/main" id="{661F82F4-AD49-D317-7CDE-BD8E744346FD}"/>
               </a:ext>
             </a:extLst>
           </p:cNvPr>
@@ -1396,7 +1396,7 @@
           <a:bodyPr/>
           <a:lstStyle/>
           <a:p>
-            <a:fld id="{C775A924-BFF9-4B95-87D5-3BEDE7F15C4D}" type="datetimeFigureOut">
+            <a:fld id="{CA7BEFC3-56AD-447C-AE18-D805C64AB5A2}" type="datetimeFigureOut">
               <a:rPr lang="zh-CN" altLang="en-US" smtClean="0"/>
               <a:t>2024/3/10</a:t>
             </a:fld>
@@ -1409,7 +1409,7 @@
           <p:cNvPr id="6" name="页脚占位符 5">
             <a:extLst>
               <a:ext uri="{FF2B5EF4-FFF2-40B4-BE49-F238E27FC236}">
-                <a16:creationId xmlns:a16="http://schemas.microsoft.com/office/drawing/2014/main" id="{3032EE2E-4282-4B8A-D2C1-F1084379F21F}"/>
+                <a16:creationId xmlns:a16="http://schemas.microsoft.com/office/drawing/2014/main" id="{6E312D59-A963-86C9-0082-F0CBF23A65AD}"/>
               </a:ext>
             </a:extLst>
           </p:cNvPr>
@@ -1434,7 +1434,7 @@
           <p:cNvPr id="7" name="灯片编号占位符 6">
             <a:extLst>
               <a:ext uri="{FF2B5EF4-FFF2-40B4-BE49-F238E27FC236}">
-                <a16:creationId xmlns:a16="http://schemas.microsoft.com/office/drawing/2014/main" id="{B35EF38F-EA59-E336-4270-2AF52F545272}"/>
+                <a16:creationId xmlns:a16="http://schemas.microsoft.com/office/drawing/2014/main" id="{DFF89913-919F-CF82-1630-8172F90C0B32}"/>
               </a:ext>
             </a:extLst>
           </p:cNvPr>
@@ -1450,7 +1450,7 @@
           <a:bodyPr/>
           <a:lstStyle/>
           <a:p>
-            <a:fld id="{7641124F-471E-4D88-BDAC-A9AC16A02181}" type="slidenum">
+            <a:fld id="{670CE2B6-D29C-4089-AFDF-F6E4B9CE3433}" type="slidenum">
               <a:rPr lang="zh-CN" altLang="en-US" smtClean="0"/>
               <a:t>‹#›</a:t>
             </a:fld>
@@ -1461,7 +1461,7 @@
     </p:spTree>
     <p:extLst>
       <p:ext uri="{BB962C8B-B14F-4D97-AF65-F5344CB8AC3E}">
-        <p14:creationId xmlns:p14="http://schemas.microsoft.com/office/powerpoint/2010/main" val="2892812499"/>
+        <p14:creationId xmlns:p14="http://schemas.microsoft.com/office/powerpoint/2010/main" val="558034292"/>
       </p:ext>
     </p:extLst>
   </p:cSld>
@@ -1493,7 +1493,7 @@
           <p:cNvPr id="2" name="标题 1">
             <a:extLst>
               <a:ext uri="{FF2B5EF4-FFF2-40B4-BE49-F238E27FC236}">
-                <a16:creationId xmlns:a16="http://schemas.microsoft.com/office/drawing/2014/main" id="{6C619934-305C-8E52-9910-8020BD52C2E3}"/>
+                <a16:creationId xmlns:a16="http://schemas.microsoft.com/office/drawing/2014/main" id="{5937A35F-3CBF-3584-DAC8-4286FC5F380A}"/>
               </a:ext>
             </a:extLst>
           </p:cNvPr>
@@ -1526,7 +1526,7 @@
           <p:cNvPr id="3" name="文本占位符 2">
             <a:extLst>
               <a:ext uri="{FF2B5EF4-FFF2-40B4-BE49-F238E27FC236}">
-                <a16:creationId xmlns:a16="http://schemas.microsoft.com/office/drawing/2014/main" id="{0EDC4482-CDCF-5778-7F36-41DC058B7CDF}"/>
+                <a16:creationId xmlns:a16="http://schemas.microsoft.com/office/drawing/2014/main" id="{A8984245-8B37-333D-0330-C894D55B6714}"/>
               </a:ext>
             </a:extLst>
           </p:cNvPr>
@@ -1597,7 +1597,7 @@
           <p:cNvPr id="4" name="内容占位符 3">
             <a:extLst>
               <a:ext uri="{FF2B5EF4-FFF2-40B4-BE49-F238E27FC236}">
-                <a16:creationId xmlns:a16="http://schemas.microsoft.com/office/drawing/2014/main" id="{83B6E6C5-3ED6-A3E0-A37F-CD3186093E7B}"/>
+                <a16:creationId xmlns:a16="http://schemas.microsoft.com/office/drawing/2014/main" id="{0602EDBA-0B71-7515-ADA3-FC5688935C3A}"/>
               </a:ext>
             </a:extLst>
           </p:cNvPr>
@@ -1659,7 +1659,7 @@
           <p:cNvPr id="5" name="文本占位符 4">
             <a:extLst>
               <a:ext uri="{FF2B5EF4-FFF2-40B4-BE49-F238E27FC236}">
-                <a16:creationId xmlns:a16="http://schemas.microsoft.com/office/drawing/2014/main" id="{6BA086E3-CB85-1FFA-C8FA-A28AA00820EE}"/>
+                <a16:creationId xmlns:a16="http://schemas.microsoft.com/office/drawing/2014/main" id="{9A2E6608-FEF8-CDD1-6EAD-E68E03B4B162}"/>
               </a:ext>
             </a:extLst>
           </p:cNvPr>
@@ -1730,7 +1730,7 @@
           <p:cNvPr id="6" name="内容占位符 5">
             <a:extLst>
               <a:ext uri="{FF2B5EF4-FFF2-40B4-BE49-F238E27FC236}">
-                <a16:creationId xmlns:a16="http://schemas.microsoft.com/office/drawing/2014/main" id="{B42D724C-03BB-9812-DD85-B0EBEA680697}"/>
+                <a16:creationId xmlns:a16="http://schemas.microsoft.com/office/drawing/2014/main" id="{021C5C77-792A-AF24-9C28-0BD6F9E3E934}"/>
               </a:ext>
             </a:extLst>
           </p:cNvPr>
@@ -1792,7 +1792,7 @@
           <p:cNvPr id="7" name="日期占位符 6">
             <a:extLst>
               <a:ext uri="{FF2B5EF4-FFF2-40B4-BE49-F238E27FC236}">
-                <a16:creationId xmlns:a16="http://schemas.microsoft.com/office/drawing/2014/main" id="{23687D21-0DE1-2D3B-8D20-0DB0C75AD425}"/>
+                <a16:creationId xmlns:a16="http://schemas.microsoft.com/office/drawing/2014/main" id="{D2F336FC-AA73-0285-AE96-F5768837ED4A}"/>
               </a:ext>
             </a:extLst>
           </p:cNvPr>
@@ -1808,7 +1808,7 @@
           <a:bodyPr/>
           <a:lstStyle/>
           <a:p>
-            <a:fld id="{C775A924-BFF9-4B95-87D5-3BEDE7F15C4D}" type="datetimeFigureOut">
+            <a:fld id="{CA7BEFC3-56AD-447C-AE18-D805C64AB5A2}" type="datetimeFigureOut">
               <a:rPr lang="zh-CN" altLang="en-US" smtClean="0"/>
               <a:t>2024/3/10</a:t>
             </a:fld>
@@ -1821,7 +1821,7 @@
           <p:cNvPr id="8" name="页脚占位符 7">
             <a:extLst>
               <a:ext uri="{FF2B5EF4-FFF2-40B4-BE49-F238E27FC236}">
-                <a16:creationId xmlns:a16="http://schemas.microsoft.com/office/drawing/2014/main" id="{6E9C16FB-3F8F-1F16-5D0B-5DF360DDFBFE}"/>
+                <a16:creationId xmlns:a16="http://schemas.microsoft.com/office/drawing/2014/main" id="{1AE026AB-4E6C-A9B2-C90F-9E3FA3EF4DA9}"/>
               </a:ext>
             </a:extLst>
           </p:cNvPr>
@@ -1846,7 +1846,7 @@
           <p:cNvPr id="9" name="灯片编号占位符 8">
             <a:extLst>
               <a:ext uri="{FF2B5EF4-FFF2-40B4-BE49-F238E27FC236}">
-                <a16:creationId xmlns:a16="http://schemas.microsoft.com/office/drawing/2014/main" id="{C580F135-6441-7A53-6A7B-E4915F76930E}"/>
+                <a16:creationId xmlns:a16="http://schemas.microsoft.com/office/drawing/2014/main" id="{249636AF-02F4-1498-5819-118AB6064D46}"/>
               </a:ext>
             </a:extLst>
           </p:cNvPr>
@@ -1862,7 +1862,7 @@
           <a:bodyPr/>
           <a:lstStyle/>
           <a:p>
-            <a:fld id="{7641124F-471E-4D88-BDAC-A9AC16A02181}" type="slidenum">
+            <a:fld id="{670CE2B6-D29C-4089-AFDF-F6E4B9CE3433}" type="slidenum">
               <a:rPr lang="zh-CN" altLang="en-US" smtClean="0"/>
               <a:t>‹#›</a:t>
             </a:fld>
@@ -1873,7 +1873,7 @@
     </p:spTree>
     <p:extLst>
       <p:ext uri="{BB962C8B-B14F-4D97-AF65-F5344CB8AC3E}">
-        <p14:creationId xmlns:p14="http://schemas.microsoft.com/office/powerpoint/2010/main" val="75421391"/>
+        <p14:creationId xmlns:p14="http://schemas.microsoft.com/office/powerpoint/2010/main" val="1024478552"/>
       </p:ext>
     </p:extLst>
   </p:cSld>
@@ -1905,7 +1905,7 @@
           <p:cNvPr id="2" name="标题 1">
             <a:extLst>
               <a:ext uri="{FF2B5EF4-FFF2-40B4-BE49-F238E27FC236}">
-                <a16:creationId xmlns:a16="http://schemas.microsoft.com/office/drawing/2014/main" id="{47E480DC-D191-2F5E-2736-1E25A8BA16D2}"/>
+                <a16:creationId xmlns:a16="http://schemas.microsoft.com/office/drawing/2014/main" id="{070238C0-467C-2875-2013-446EB5B04219}"/>
               </a:ext>
             </a:extLst>
           </p:cNvPr>
@@ -1933,7 +1933,7 @@
           <p:cNvPr id="3" name="日期占位符 2">
             <a:extLst>
               <a:ext uri="{FF2B5EF4-FFF2-40B4-BE49-F238E27FC236}">
-                <a16:creationId xmlns:a16="http://schemas.microsoft.com/office/drawing/2014/main" id="{D9121222-10E4-F48B-69B2-8D8EE44FB4F3}"/>
+                <a16:creationId xmlns:a16="http://schemas.microsoft.com/office/drawing/2014/main" id="{51FC86F7-66ED-6C5B-BE33-9CFCC234276A}"/>
               </a:ext>
             </a:extLst>
           </p:cNvPr>
@@ -1949,7 +1949,7 @@
           <a:bodyPr/>
           <a:lstStyle/>
           <a:p>
-            <a:fld id="{C775A924-BFF9-4B95-87D5-3BEDE7F15C4D}" type="datetimeFigureOut">
+            <a:fld id="{CA7BEFC3-56AD-447C-AE18-D805C64AB5A2}" type="datetimeFigureOut">
               <a:rPr lang="zh-CN" altLang="en-US" smtClean="0"/>
               <a:t>2024/3/10</a:t>
             </a:fld>
@@ -1962,7 +1962,7 @@
           <p:cNvPr id="4" name="页脚占位符 3">
             <a:extLst>
               <a:ext uri="{FF2B5EF4-FFF2-40B4-BE49-F238E27FC236}">
-                <a16:creationId xmlns:a16="http://schemas.microsoft.com/office/drawing/2014/main" id="{05C85C11-6E1D-B7BF-9B81-E82AABDC6953}"/>
+                <a16:creationId xmlns:a16="http://schemas.microsoft.com/office/drawing/2014/main" id="{DC8E6B55-DB70-F870-12E1-2C4EF02890F7}"/>
               </a:ext>
             </a:extLst>
           </p:cNvPr>
@@ -1987,7 +1987,7 @@
           <p:cNvPr id="5" name="灯片编号占位符 4">
             <a:extLst>
               <a:ext uri="{FF2B5EF4-FFF2-40B4-BE49-F238E27FC236}">
-                <a16:creationId xmlns:a16="http://schemas.microsoft.com/office/drawing/2014/main" id="{7C8AA918-783E-F7B6-5D07-90545C19050A}"/>
+                <a16:creationId xmlns:a16="http://schemas.microsoft.com/office/drawing/2014/main" id="{13917241-9933-1683-9A2B-8727F250ED3C}"/>
               </a:ext>
             </a:extLst>
           </p:cNvPr>
@@ -2003,7 +2003,7 @@
           <a:bodyPr/>
           <a:lstStyle/>
           <a:p>
-            <a:fld id="{7641124F-471E-4D88-BDAC-A9AC16A02181}" type="slidenum">
+            <a:fld id="{670CE2B6-D29C-4089-AFDF-F6E4B9CE3433}" type="slidenum">
               <a:rPr lang="zh-CN" altLang="en-US" smtClean="0"/>
               <a:t>‹#›</a:t>
             </a:fld>
@@ -2014,7 +2014,7 @@
     </p:spTree>
     <p:extLst>
       <p:ext uri="{BB962C8B-B14F-4D97-AF65-F5344CB8AC3E}">
-        <p14:creationId xmlns:p14="http://schemas.microsoft.com/office/powerpoint/2010/main" val="2593078371"/>
+        <p14:creationId xmlns:p14="http://schemas.microsoft.com/office/powerpoint/2010/main" val="1274481512"/>
       </p:ext>
     </p:extLst>
   </p:cSld>
@@ -2046,7 +2046,7 @@
           <p:cNvPr id="2" name="日期占位符 1">
             <a:extLst>
               <a:ext uri="{FF2B5EF4-FFF2-40B4-BE49-F238E27FC236}">
-                <a16:creationId xmlns:a16="http://schemas.microsoft.com/office/drawing/2014/main" id="{E1060F69-3808-E558-77E7-1D3CD37E92A7}"/>
+                <a16:creationId xmlns:a16="http://schemas.microsoft.com/office/drawing/2014/main" id="{91B9E59C-8901-6DEC-D12E-C8F32B3EA1EA}"/>
               </a:ext>
             </a:extLst>
           </p:cNvPr>
@@ -2062,7 +2062,7 @@
           <a:bodyPr/>
           <a:lstStyle/>
           <a:p>
-            <a:fld id="{C775A924-BFF9-4B95-87D5-3BEDE7F15C4D}" type="datetimeFigureOut">
+            <a:fld id="{CA7BEFC3-56AD-447C-AE18-D805C64AB5A2}" type="datetimeFigureOut">
               <a:rPr lang="zh-CN" altLang="en-US" smtClean="0"/>
               <a:t>2024/3/10</a:t>
             </a:fld>
@@ -2075,7 +2075,7 @@
           <p:cNvPr id="3" name="页脚占位符 2">
             <a:extLst>
               <a:ext uri="{FF2B5EF4-FFF2-40B4-BE49-F238E27FC236}">
-                <a16:creationId xmlns:a16="http://schemas.microsoft.com/office/drawing/2014/main" id="{8972F27B-5DEF-80D5-B507-A64A0AFA6176}"/>
+                <a16:creationId xmlns:a16="http://schemas.microsoft.com/office/drawing/2014/main" id="{939C8D32-75D3-0629-BA71-EFC23183991F}"/>
               </a:ext>
             </a:extLst>
           </p:cNvPr>
@@ -2100,7 +2100,7 @@
           <p:cNvPr id="4" name="灯片编号占位符 3">
             <a:extLst>
               <a:ext uri="{FF2B5EF4-FFF2-40B4-BE49-F238E27FC236}">
-                <a16:creationId xmlns:a16="http://schemas.microsoft.com/office/drawing/2014/main" id="{07FDE3D8-7A9D-0B0B-E286-8BD9B67973ED}"/>
+                <a16:creationId xmlns:a16="http://schemas.microsoft.com/office/drawing/2014/main" id="{5938185B-8400-DEB1-CFA6-778AEFA210E7}"/>
               </a:ext>
             </a:extLst>
           </p:cNvPr>
@@ -2116,7 +2116,7 @@
           <a:bodyPr/>
           <a:lstStyle/>
           <a:p>
-            <a:fld id="{7641124F-471E-4D88-BDAC-A9AC16A02181}" type="slidenum">
+            <a:fld id="{670CE2B6-D29C-4089-AFDF-F6E4B9CE3433}" type="slidenum">
               <a:rPr lang="zh-CN" altLang="en-US" smtClean="0"/>
               <a:t>‹#›</a:t>
             </a:fld>
@@ -2127,7 +2127,7 @@
     </p:spTree>
     <p:extLst>
       <p:ext uri="{BB962C8B-B14F-4D97-AF65-F5344CB8AC3E}">
-        <p14:creationId xmlns:p14="http://schemas.microsoft.com/office/powerpoint/2010/main" val="1465717411"/>
+        <p14:creationId xmlns:p14="http://schemas.microsoft.com/office/powerpoint/2010/main" val="4011785705"/>
       </p:ext>
     </p:extLst>
   </p:cSld>
@@ -2159,7 +2159,7 @@
           <p:cNvPr id="2" name="标题 1">
             <a:extLst>
               <a:ext uri="{FF2B5EF4-FFF2-40B4-BE49-F238E27FC236}">
-                <a16:creationId xmlns:a16="http://schemas.microsoft.com/office/drawing/2014/main" id="{5D277DB5-7ECA-A440-6B46-6F259324005E}"/>
+                <a16:creationId xmlns:a16="http://schemas.microsoft.com/office/drawing/2014/main" id="{75A01563-FE0B-75F4-DB99-317A8E6F8BFB}"/>
               </a:ext>
             </a:extLst>
           </p:cNvPr>
@@ -2196,7 +2196,7 @@
           <p:cNvPr id="3" name="内容占位符 2">
             <a:extLst>
               <a:ext uri="{FF2B5EF4-FFF2-40B4-BE49-F238E27FC236}">
-                <a16:creationId xmlns:a16="http://schemas.microsoft.com/office/drawing/2014/main" id="{5D56331D-CF99-91F0-C5CC-FB66420F328E}"/>
+                <a16:creationId xmlns:a16="http://schemas.microsoft.com/office/drawing/2014/main" id="{C5096DA2-AFB8-9339-2B5B-450EC2E8DC94}"/>
               </a:ext>
             </a:extLst>
           </p:cNvPr>
@@ -2286,7 +2286,7 @@
           <p:cNvPr id="4" name="文本占位符 3">
             <a:extLst>
               <a:ext uri="{FF2B5EF4-FFF2-40B4-BE49-F238E27FC236}">
-                <a16:creationId xmlns:a16="http://schemas.microsoft.com/office/drawing/2014/main" id="{80A4BA8C-320B-C6C8-3BD1-2C8C00545836}"/>
+                <a16:creationId xmlns:a16="http://schemas.microsoft.com/office/drawing/2014/main" id="{48503980-F0D0-F97E-ABED-9B0A1F385E4F}"/>
               </a:ext>
             </a:extLst>
           </p:cNvPr>
@@ -2357,7 +2357,7 @@
           <p:cNvPr id="5" name="日期占位符 4">
             <a:extLst>
               <a:ext uri="{FF2B5EF4-FFF2-40B4-BE49-F238E27FC236}">
-                <a16:creationId xmlns:a16="http://schemas.microsoft.com/office/drawing/2014/main" id="{09C8D150-E07C-A1E4-8A94-0E0E0F3A2A74}"/>
+                <a16:creationId xmlns:a16="http://schemas.microsoft.com/office/drawing/2014/main" id="{1C4A961E-7E92-85A6-7DBB-836CFFA129DE}"/>
               </a:ext>
             </a:extLst>
           </p:cNvPr>
@@ -2373,7 +2373,7 @@
           <a:bodyPr/>
           <a:lstStyle/>
           <a:p>
-            <a:fld id="{C775A924-BFF9-4B95-87D5-3BEDE7F15C4D}" type="datetimeFigureOut">
+            <a:fld id="{CA7BEFC3-56AD-447C-AE18-D805C64AB5A2}" type="datetimeFigureOut">
               <a:rPr lang="zh-CN" altLang="en-US" smtClean="0"/>
               <a:t>2024/3/10</a:t>
             </a:fld>
@@ -2386,7 +2386,7 @@
           <p:cNvPr id="6" name="页脚占位符 5">
             <a:extLst>
               <a:ext uri="{FF2B5EF4-FFF2-40B4-BE49-F238E27FC236}">
-                <a16:creationId xmlns:a16="http://schemas.microsoft.com/office/drawing/2014/main" id="{47A71493-6E0F-1B14-24CA-587471F410CD}"/>
+                <a16:creationId xmlns:a16="http://schemas.microsoft.com/office/drawing/2014/main" id="{1109DC31-676C-7E37-08CF-1482CF15DC98}"/>
               </a:ext>
             </a:extLst>
           </p:cNvPr>
@@ -2411,7 +2411,7 @@
           <p:cNvPr id="7" name="灯片编号占位符 6">
             <a:extLst>
               <a:ext uri="{FF2B5EF4-FFF2-40B4-BE49-F238E27FC236}">
-                <a16:creationId xmlns:a16="http://schemas.microsoft.com/office/drawing/2014/main" id="{EA812D5F-65B9-91A3-5070-8B51FD48EB08}"/>
+                <a16:creationId xmlns:a16="http://schemas.microsoft.com/office/drawing/2014/main" id="{1E8D248B-EF4C-5963-5F32-EFAB5719FCEC}"/>
               </a:ext>
             </a:extLst>
           </p:cNvPr>
@@ -2427,7 +2427,7 @@
           <a:bodyPr/>
           <a:lstStyle/>
           <a:p>
-            <a:fld id="{7641124F-471E-4D88-BDAC-A9AC16A02181}" type="slidenum">
+            <a:fld id="{670CE2B6-D29C-4089-AFDF-F6E4B9CE3433}" type="slidenum">
               <a:rPr lang="zh-CN" altLang="en-US" smtClean="0"/>
               <a:t>‹#›</a:t>
             </a:fld>
@@ -2438,7 +2438,7 @@
     </p:spTree>
     <p:extLst>
       <p:ext uri="{BB962C8B-B14F-4D97-AF65-F5344CB8AC3E}">
-        <p14:creationId xmlns:p14="http://schemas.microsoft.com/office/powerpoint/2010/main" val="80468918"/>
+        <p14:creationId xmlns:p14="http://schemas.microsoft.com/office/powerpoint/2010/main" val="682156414"/>
       </p:ext>
     </p:extLst>
   </p:cSld>
@@ -2470,7 +2470,7 @@
           <p:cNvPr id="2" name="标题 1">
             <a:extLst>
               <a:ext uri="{FF2B5EF4-FFF2-40B4-BE49-F238E27FC236}">
-                <a16:creationId xmlns:a16="http://schemas.microsoft.com/office/drawing/2014/main" id="{7CB2053C-8BD0-9C1F-2B02-F670E934C158}"/>
+                <a16:creationId xmlns:a16="http://schemas.microsoft.com/office/drawing/2014/main" id="{FB3A09F5-7984-B307-DD0F-CE557F3AD3B8}"/>
               </a:ext>
             </a:extLst>
           </p:cNvPr>
@@ -2507,7 +2507,7 @@
           <p:cNvPr id="3" name="图片占位符 2">
             <a:extLst>
               <a:ext uri="{FF2B5EF4-FFF2-40B4-BE49-F238E27FC236}">
-                <a16:creationId xmlns:a16="http://schemas.microsoft.com/office/drawing/2014/main" id="{C0C40962-EBAE-F101-7F29-A5628A868852}"/>
+                <a16:creationId xmlns:a16="http://schemas.microsoft.com/office/drawing/2014/main" id="{FE272DB8-A557-AB3D-3F13-CFEA5421E522}"/>
               </a:ext>
             </a:extLst>
           </p:cNvPr>
@@ -2574,7 +2574,7 @@
           <p:cNvPr id="4" name="文本占位符 3">
             <a:extLst>
               <a:ext uri="{FF2B5EF4-FFF2-40B4-BE49-F238E27FC236}">
-                <a16:creationId xmlns:a16="http://schemas.microsoft.com/office/drawing/2014/main" id="{CEEE2C32-161C-F3EC-7000-9B289AFEA49E}"/>
+                <a16:creationId xmlns:a16="http://schemas.microsoft.com/office/drawing/2014/main" id="{9E50B90C-78A8-4ECA-B32E-B4919F306B3E}"/>
               </a:ext>
             </a:extLst>
           </p:cNvPr>
@@ -2645,7 +2645,7 @@
           <p:cNvPr id="5" name="日期占位符 4">
             <a:extLst>
               <a:ext uri="{FF2B5EF4-FFF2-40B4-BE49-F238E27FC236}">
-                <a16:creationId xmlns:a16="http://schemas.microsoft.com/office/drawing/2014/main" id="{ABC7569C-E460-51C7-1D43-21D98E235D46}"/>
+                <a16:creationId xmlns:a16="http://schemas.microsoft.com/office/drawing/2014/main" id="{3AF3F72D-71DE-7EC0-92C0-A213CF578EB0}"/>
               </a:ext>
             </a:extLst>
           </p:cNvPr>
@@ -2661,7 +2661,7 @@
           <a:bodyPr/>
           <a:lstStyle/>
           <a:p>
-            <a:fld id="{C775A924-BFF9-4B95-87D5-3BEDE7F15C4D}" type="datetimeFigureOut">
+            <a:fld id="{CA7BEFC3-56AD-447C-AE18-D805C64AB5A2}" type="datetimeFigureOut">
               <a:rPr lang="zh-CN" altLang="en-US" smtClean="0"/>
               <a:t>2024/3/10</a:t>
             </a:fld>
@@ -2674,7 +2674,7 @@
           <p:cNvPr id="6" name="页脚占位符 5">
             <a:extLst>
               <a:ext uri="{FF2B5EF4-FFF2-40B4-BE49-F238E27FC236}">
-                <a16:creationId xmlns:a16="http://schemas.microsoft.com/office/drawing/2014/main" id="{31D2A612-F9A6-75BC-1B55-11B9F6F4DBC3}"/>
+                <a16:creationId xmlns:a16="http://schemas.microsoft.com/office/drawing/2014/main" id="{8424A1C2-80E3-1A19-CA14-3FE0FB67235F}"/>
               </a:ext>
             </a:extLst>
           </p:cNvPr>
@@ -2699,7 +2699,7 @@
           <p:cNvPr id="7" name="灯片编号占位符 6">
             <a:extLst>
               <a:ext uri="{FF2B5EF4-FFF2-40B4-BE49-F238E27FC236}">
-                <a16:creationId xmlns:a16="http://schemas.microsoft.com/office/drawing/2014/main" id="{C963AE3B-28A9-BFF9-EEE8-A869A4C7025C}"/>
+                <a16:creationId xmlns:a16="http://schemas.microsoft.com/office/drawing/2014/main" id="{2771C9A4-248B-553E-A3EC-F011292AD33A}"/>
               </a:ext>
             </a:extLst>
           </p:cNvPr>
@@ -2715,7 +2715,7 @@
           <a:bodyPr/>
           <a:lstStyle/>
           <a:p>
-            <a:fld id="{7641124F-471E-4D88-BDAC-A9AC16A02181}" type="slidenum">
+            <a:fld id="{670CE2B6-D29C-4089-AFDF-F6E4B9CE3433}" type="slidenum">
               <a:rPr lang="zh-CN" altLang="en-US" smtClean="0"/>
               <a:t>‹#›</a:t>
             </a:fld>
@@ -2726,7 +2726,7 @@
     </p:spTree>
     <p:extLst>
       <p:ext uri="{BB962C8B-B14F-4D97-AF65-F5344CB8AC3E}">
-        <p14:creationId xmlns:p14="http://schemas.microsoft.com/office/powerpoint/2010/main" val="1942141054"/>
+        <p14:creationId xmlns:p14="http://schemas.microsoft.com/office/powerpoint/2010/main" val="3417259704"/>
       </p:ext>
     </p:extLst>
   </p:cSld>
@@ -2763,7 +2763,7 @@
           <p:cNvPr id="2" name="标题占位符 1">
             <a:extLst>
               <a:ext uri="{FF2B5EF4-FFF2-40B4-BE49-F238E27FC236}">
-                <a16:creationId xmlns:a16="http://schemas.microsoft.com/office/drawing/2014/main" id="{B05AFA9F-9DE9-3BB1-4102-6FA3D751FB25}"/>
+                <a16:creationId xmlns:a16="http://schemas.microsoft.com/office/drawing/2014/main" id="{856BEC5B-2F05-691A-9E5D-98F5C73B4552}"/>
               </a:ext>
             </a:extLst>
           </p:cNvPr>
@@ -2801,7 +2801,7 @@
           <p:cNvPr id="3" name="文本占位符 2">
             <a:extLst>
               <a:ext uri="{FF2B5EF4-FFF2-40B4-BE49-F238E27FC236}">
-                <a16:creationId xmlns:a16="http://schemas.microsoft.com/office/drawing/2014/main" id="{D282C2BF-8EA6-036D-094A-F0DBD0A09C3A}"/>
+                <a16:creationId xmlns:a16="http://schemas.microsoft.com/office/drawing/2014/main" id="{69DD2316-6E34-094B-D194-5F97DF28F11F}"/>
               </a:ext>
             </a:extLst>
           </p:cNvPr>
@@ -2868,7 +2868,7 @@
           <p:cNvPr id="4" name="日期占位符 3">
             <a:extLst>
               <a:ext uri="{FF2B5EF4-FFF2-40B4-BE49-F238E27FC236}">
-                <a16:creationId xmlns:a16="http://schemas.microsoft.com/office/drawing/2014/main" id="{069FED40-1974-7FB9-8E16-E935A6D541AD}"/>
+                <a16:creationId xmlns:a16="http://schemas.microsoft.com/office/drawing/2014/main" id="{F56551DE-5F48-F892-860E-34EC71113EF1}"/>
               </a:ext>
             </a:extLst>
           </p:cNvPr>
@@ -2902,7 +2902,7 @@
             </a:lvl1pPr>
           </a:lstStyle>
           <a:p>
-            <a:fld id="{C775A924-BFF9-4B95-87D5-3BEDE7F15C4D}" type="datetimeFigureOut">
+            <a:fld id="{CA7BEFC3-56AD-447C-AE18-D805C64AB5A2}" type="datetimeFigureOut">
               <a:rPr lang="zh-CN" altLang="en-US" smtClean="0"/>
               <a:t>2024/3/10</a:t>
             </a:fld>
@@ -2915,7 +2915,7 @@
           <p:cNvPr id="5" name="页脚占位符 4">
             <a:extLst>
               <a:ext uri="{FF2B5EF4-FFF2-40B4-BE49-F238E27FC236}">
-                <a16:creationId xmlns:a16="http://schemas.microsoft.com/office/drawing/2014/main" id="{1D0D1EE7-DF5F-E9EC-6CC7-F7EB66223349}"/>
+                <a16:creationId xmlns:a16="http://schemas.microsoft.com/office/drawing/2014/main" id="{DBBE2C86-EBF1-90A6-4E6D-AA1F74A1FC32}"/>
               </a:ext>
             </a:extLst>
           </p:cNvPr>
@@ -2958,7 +2958,7 @@
           <p:cNvPr id="6" name="灯片编号占位符 5">
             <a:extLst>
               <a:ext uri="{FF2B5EF4-FFF2-40B4-BE49-F238E27FC236}">
-                <a16:creationId xmlns:a16="http://schemas.microsoft.com/office/drawing/2014/main" id="{0DDF8754-8BEE-C6D6-D2E6-471B7566237C}"/>
+                <a16:creationId xmlns:a16="http://schemas.microsoft.com/office/drawing/2014/main" id="{E7EC8155-079B-6984-73C0-BE07C5E4F118}"/>
               </a:ext>
             </a:extLst>
           </p:cNvPr>
@@ -2992,7 +2992,7 @@
             </a:lvl1pPr>
           </a:lstStyle>
           <a:p>
-            <a:fld id="{7641124F-471E-4D88-BDAC-A9AC16A02181}" type="slidenum">
+            <a:fld id="{670CE2B6-D29C-4089-AFDF-F6E4B9CE3433}" type="slidenum">
               <a:rPr lang="zh-CN" altLang="en-US" smtClean="0"/>
               <a:t>‹#›</a:t>
             </a:fld>
@@ -3003,7 +3003,7 @@
     </p:spTree>
     <p:extLst>
       <p:ext uri="{BB962C8B-B14F-4D97-AF65-F5344CB8AC3E}">
-        <p14:creationId xmlns:p14="http://schemas.microsoft.com/office/powerpoint/2010/main" val="4100326397"/>
+        <p14:creationId xmlns:p14="http://schemas.microsoft.com/office/powerpoint/2010/main" val="686681208"/>
       </p:ext>
     </p:extLst>
   </p:cSld>
